--- a/Makeathon Check24 - Pitch.pptx
+++ b/Makeathon Check24 - Pitch.pptx
@@ -38,7 +38,7 @@
       <p:boldItalic r:id="rId18"/>
     </p:embeddedFont>
     <p:embeddedFont>
-      <p:font typeface="Palanquin Dark" panose="020B0004020203020204" pitchFamily="34" charset="77"/>
+      <p:font typeface="Palanquin Dark" panose="020F0502020204030204" pitchFamily="34" charset="0"/>
       <p:regular r:id="rId19"/>
       <p:bold r:id="rId20"/>
       <p:italic r:id="rId21"/>
@@ -24645,7 +24645,7 @@
             </a:pPr>
             <a:r>
               <a:rPr lang="en" dirty="0"/>
-              <a:t>Idee</a:t>
+              <a:t>Idea</a:t>
             </a:r>
             <a:endParaRPr dirty="0"/>
           </a:p>
@@ -26273,7 +26273,7 @@
                   <a:srgbClr val="005EA7"/>
                 </a:solidFill>
               </a:rPr>
-              <a:t>Challenges</a:t>
+              <a:t>Approach</a:t>
             </a:r>
             <a:endParaRPr dirty="0">
               <a:solidFill>
@@ -26318,10 +26318,10 @@
               <a:buNone/>
             </a:pPr>
             <a:r>
-              <a:rPr lang="en"/>
-              <a:t>Presentation</a:t>
+              <a:rPr lang="en" dirty="0"/>
+              <a:t>Parse -&gt;</a:t>
             </a:r>
-            <a:endParaRPr/>
+            <a:endParaRPr dirty="0"/>
           </a:p>
         </p:txBody>
       </p:sp>
@@ -26360,10 +26360,10 @@
               <a:buNone/>
             </a:pPr>
             <a:r>
-              <a:rPr lang="en"/>
-              <a:t>Investors</a:t>
+              <a:rPr lang="en" dirty="0"/>
+              <a:t>Filter -&gt; </a:t>
             </a:r>
-            <a:endParaRPr/>
+            <a:endParaRPr dirty="0"/>
           </a:p>
         </p:txBody>
       </p:sp>
@@ -26402,10 +26402,10 @@
               <a:buNone/>
             </a:pPr>
             <a:r>
-              <a:rPr lang="en"/>
+              <a:rPr lang="en" dirty="0"/>
               <a:t>A great presentation for a pitch deck should be concise, clear and easy to understand. Visual elements such as charts, graphs, images, and videos can help to make the presentation engaging</a:t>
             </a:r>
-            <a:endParaRPr/>
+            <a:endParaRPr dirty="0"/>
           </a:p>
         </p:txBody>
       </p:sp>
@@ -26551,10 +26551,10 @@
               <a:buNone/>
             </a:pPr>
             <a:r>
-              <a:rPr lang="en"/>
-              <a:t>Value</a:t>
+              <a:rPr lang="en" dirty="0"/>
+              <a:t>Rank</a:t>
             </a:r>
-            <a:endParaRPr/>
+            <a:endParaRPr dirty="0"/>
           </a:p>
         </p:txBody>
       </p:sp>

--- a/Makeathon Check24 - Pitch.pptx
+++ b/Makeathon Check24 - Pitch.pptx
@@ -28547,13 +28547,13 @@
   <p:clrMapOvr>
     <a:masterClrMapping/>
   </p:clrMapOvr>
-  <mc:AlternateContent xmlns:mc="http://schemas.openxmlformats.org/markup-compatibility/2006">
-    <mc:Choice xmlns:p159="http://schemas.microsoft.com/office/powerpoint/2015/09/main" Requires="p159">
+  <mc:AlternateContent xmlns:mc="http://schemas.openxmlformats.org/markup-compatibility/2006" xmlns:p159="http://schemas.microsoft.com/office/powerpoint/2015/09/main">
+    <mc:Choice Requires="p159">
       <p:transition spd="slow">
         <p159:morph option="byObject"/>
       </p:transition>
     </mc:Choice>
-    <mc:Fallback>
+    <mc:Fallback xmlns="">
       <p:transition spd="slow">
         <p:fade/>
       </p:transition>
@@ -43623,7 +43623,15 @@
             </a:pPr>
             <a:r>
               <a:rPr lang="en-US" dirty="0"/>
-              <a:t>Based on soft Requirements</a:t>
+              <a:t>Based on </a:t>
+            </a:r>
+            <a:r>
+              <a:rPr lang="en-US" b="1" dirty="0"/>
+              <a:t>soft</a:t>
+            </a:r>
+            <a:r>
+              <a:rPr lang="en-US" dirty="0"/>
+              <a:t> Requirements</a:t>
             </a:r>
             <a:endParaRPr lang="en" dirty="0"/>
           </a:p>
@@ -45376,7 +45384,15 @@
             </a:pPr>
             <a:r>
               <a:rPr lang="en-US" dirty="0"/>
-              <a:t>Based on soft Requirements</a:t>
+              <a:t>Based on </a:t>
+            </a:r>
+            <a:r>
+              <a:rPr lang="en-US" b="1" dirty="0"/>
+              <a:t>soft</a:t>
+            </a:r>
+            <a:r>
+              <a:rPr lang="en-US" dirty="0"/>
+              <a:t> Requirements</a:t>
             </a:r>
             <a:endParaRPr lang="en" dirty="0"/>
           </a:p>

--- a/Makeathon Check24 - Pitch.pptx
+++ b/Makeathon Check24 - Pitch.pptx
@@ -42615,10 +42615,6 @@
               <a:buNone/>
             </a:pPr>
             <a:r>
-              <a:rPr lang="en-US" dirty="0"/>
-              <a:t>out </a:t>
-            </a:r>
-            <a:r>
               <a:rPr lang="en-US" b="1" dirty="0"/>
               <a:t>hard</a:t>
             </a:r>
